--- a/10x-supernova/images/workflow.pptx
+++ b/10x-supernova/images/workflow.pptx
@@ -104,6 +104,11 @@
       </a:defRPr>
     </a:lvl9pPr>
   </p:defaultTextStyle>
+  <p:extLst>
+    <p:ext uri="{EFAFB233-063F-42B5-8137-9DF3F51BA10A}">
+      <p15:sldGuideLst xmlns:p15="http://schemas.microsoft.com/office/powerpoint/2012/main"/>
+    </p:ext>
+  </p:extLst>
 </p:presentation>
 </file>
 
@@ -254,7 +259,7 @@
           <a:p>
             <a:fld id="{64FDEFB2-C24B-D547-AD36-554D0E74EBC8}" type="datetimeFigureOut">
               <a:rPr lang="en-US" smtClean="0"/>
-              <a:t>12/19/18</a:t>
+              <a:t>12/20/18</a:t>
             </a:fld>
             <a:endParaRPr lang="en-US"/>
           </a:p>
@@ -452,7 +457,7 @@
           <a:p>
             <a:fld id="{64FDEFB2-C24B-D547-AD36-554D0E74EBC8}" type="datetimeFigureOut">
               <a:rPr lang="en-US" smtClean="0"/>
-              <a:t>12/19/18</a:t>
+              <a:t>12/20/18</a:t>
             </a:fld>
             <a:endParaRPr lang="en-US"/>
           </a:p>
@@ -660,7 +665,7 @@
           <a:p>
             <a:fld id="{64FDEFB2-C24B-D547-AD36-554D0E74EBC8}" type="datetimeFigureOut">
               <a:rPr lang="en-US" smtClean="0"/>
-              <a:t>12/19/18</a:t>
+              <a:t>12/20/18</a:t>
             </a:fld>
             <a:endParaRPr lang="en-US"/>
           </a:p>
@@ -858,7 +863,7 @@
           <a:p>
             <a:fld id="{64FDEFB2-C24B-D547-AD36-554D0E74EBC8}" type="datetimeFigureOut">
               <a:rPr lang="en-US" smtClean="0"/>
-              <a:t>12/19/18</a:t>
+              <a:t>12/20/18</a:t>
             </a:fld>
             <a:endParaRPr lang="en-US"/>
           </a:p>
@@ -1133,7 +1138,7 @@
           <a:p>
             <a:fld id="{64FDEFB2-C24B-D547-AD36-554D0E74EBC8}" type="datetimeFigureOut">
               <a:rPr lang="en-US" smtClean="0"/>
-              <a:t>12/19/18</a:t>
+              <a:t>12/20/18</a:t>
             </a:fld>
             <a:endParaRPr lang="en-US"/>
           </a:p>
@@ -1398,7 +1403,7 @@
           <a:p>
             <a:fld id="{64FDEFB2-C24B-D547-AD36-554D0E74EBC8}" type="datetimeFigureOut">
               <a:rPr lang="en-US" smtClean="0"/>
-              <a:t>12/19/18</a:t>
+              <a:t>12/20/18</a:t>
             </a:fld>
             <a:endParaRPr lang="en-US"/>
           </a:p>
@@ -1810,7 +1815,7 @@
           <a:p>
             <a:fld id="{64FDEFB2-C24B-D547-AD36-554D0E74EBC8}" type="datetimeFigureOut">
               <a:rPr lang="en-US" smtClean="0"/>
-              <a:t>12/19/18</a:t>
+              <a:t>12/20/18</a:t>
             </a:fld>
             <a:endParaRPr lang="en-US"/>
           </a:p>
@@ -1951,7 +1956,7 @@
           <a:p>
             <a:fld id="{64FDEFB2-C24B-D547-AD36-554D0E74EBC8}" type="datetimeFigureOut">
               <a:rPr lang="en-US" smtClean="0"/>
-              <a:t>12/19/18</a:t>
+              <a:t>12/20/18</a:t>
             </a:fld>
             <a:endParaRPr lang="en-US"/>
           </a:p>
@@ -2064,7 +2069,7 @@
           <a:p>
             <a:fld id="{64FDEFB2-C24B-D547-AD36-554D0E74EBC8}" type="datetimeFigureOut">
               <a:rPr lang="en-US" smtClean="0"/>
-              <a:t>12/19/18</a:t>
+              <a:t>12/20/18</a:t>
             </a:fld>
             <a:endParaRPr lang="en-US"/>
           </a:p>
@@ -2375,7 +2380,7 @@
           <a:p>
             <a:fld id="{64FDEFB2-C24B-D547-AD36-554D0E74EBC8}" type="datetimeFigureOut">
               <a:rPr lang="en-US" smtClean="0"/>
-              <a:t>12/19/18</a:t>
+              <a:t>12/20/18</a:t>
             </a:fld>
             <a:endParaRPr lang="en-US"/>
           </a:p>
@@ -2663,7 +2668,7 @@
           <a:p>
             <a:fld id="{64FDEFB2-C24B-D547-AD36-554D0E74EBC8}" type="datetimeFigureOut">
               <a:rPr lang="en-US" smtClean="0"/>
-              <a:t>12/19/18</a:t>
+              <a:t>12/20/18</a:t>
             </a:fld>
             <a:endParaRPr lang="en-US"/>
           </a:p>
@@ -2904,7 +2909,7 @@
           <a:p>
             <a:fld id="{64FDEFB2-C24B-D547-AD36-554D0E74EBC8}" type="datetimeFigureOut">
               <a:rPr lang="en-US" smtClean="0"/>
-              <a:t>12/19/18</a:t>
+              <a:t>12/20/18</a:t>
             </a:fld>
             <a:endParaRPr lang="en-US"/>
           </a:p>
@@ -3335,7 +3340,7 @@
         </p:nvSpPr>
         <p:spPr>
           <a:xfrm>
-            <a:off x="2802467" y="541867"/>
+            <a:off x="3412066" y="541867"/>
             <a:ext cx="2590800" cy="1032933"/>
           </a:xfrm>
           <a:prstGeom prst="rect">
@@ -3384,7 +3389,7 @@
         </p:nvSpPr>
         <p:spPr>
           <a:xfrm>
-            <a:off x="6096000" y="541867"/>
+            <a:off x="6705599" y="541867"/>
             <a:ext cx="2590800" cy="1032933"/>
           </a:xfrm>
           <a:prstGeom prst="rect">
@@ -3440,7 +3445,7 @@
         </p:nvSpPr>
         <p:spPr>
           <a:xfrm>
-            <a:off x="2802467" y="2048934"/>
+            <a:off x="3412066" y="2048934"/>
             <a:ext cx="2590800" cy="1032933"/>
           </a:xfrm>
           <a:prstGeom prst="rect">
@@ -3489,7 +3494,7 @@
         </p:nvSpPr>
         <p:spPr>
           <a:xfrm>
-            <a:off x="2802467" y="3556001"/>
+            <a:off x="3412066" y="3556001"/>
             <a:ext cx="2590800" cy="1032933"/>
           </a:xfrm>
           <a:prstGeom prst="rect">
@@ -3543,7 +3548,7 @@
         </p:nvSpPr>
         <p:spPr>
           <a:xfrm>
-            <a:off x="2802467" y="5063068"/>
+            <a:off x="3412066" y="5063068"/>
             <a:ext cx="2590800" cy="1032933"/>
           </a:xfrm>
           <a:prstGeom prst="rect">
@@ -3597,7 +3602,7 @@
         </p:nvSpPr>
         <p:spPr>
           <a:xfrm>
-            <a:off x="9389533" y="541867"/>
+            <a:off x="9999132" y="541867"/>
             <a:ext cx="2590800" cy="1032933"/>
           </a:xfrm>
           <a:prstGeom prst="rect">
@@ -3654,7 +3659,7 @@
         </p:nvSpPr>
         <p:spPr>
           <a:xfrm>
-            <a:off x="6096000" y="5063067"/>
+            <a:off x="6705599" y="5063067"/>
             <a:ext cx="2590800" cy="1032933"/>
           </a:xfrm>
           <a:prstGeom prst="rect">
@@ -3713,7 +3718,7 @@
         </p:nvCxnSpPr>
         <p:spPr>
           <a:xfrm>
-            <a:off x="4097867" y="1574800"/>
+            <a:off x="4707466" y="1574800"/>
             <a:ext cx="0" cy="474134"/>
           </a:xfrm>
           <a:prstGeom prst="straightConnector1">
@@ -3752,7 +3757,7 @@
         </p:nvCxnSpPr>
         <p:spPr>
           <a:xfrm>
-            <a:off x="4075072" y="3081867"/>
+            <a:off x="4684671" y="3081867"/>
             <a:ext cx="0" cy="474134"/>
           </a:xfrm>
           <a:prstGeom prst="straightConnector1">
@@ -3791,7 +3796,7 @@
         </p:nvCxnSpPr>
         <p:spPr>
           <a:xfrm>
-            <a:off x="4105684" y="4588934"/>
+            <a:off x="4715283" y="4588934"/>
             <a:ext cx="0" cy="474134"/>
           </a:xfrm>
           <a:prstGeom prst="straightConnector1">
@@ -3833,7 +3838,7 @@
         </p:nvCxnSpPr>
         <p:spPr>
           <a:xfrm>
-            <a:off x="7368605" y="1574800"/>
+            <a:off x="7978204" y="1574800"/>
             <a:ext cx="22795" cy="3488267"/>
           </a:xfrm>
           <a:prstGeom prst="straightConnector1">
@@ -3876,7 +3881,7 @@
         </p:nvCxnSpPr>
         <p:spPr>
           <a:xfrm flipV="1">
-            <a:off x="5393267" y="5579534"/>
+            <a:off x="6002866" y="5579534"/>
             <a:ext cx="702733" cy="1"/>
           </a:xfrm>
           <a:prstGeom prst="straightConnector1">
@@ -3917,7 +3922,7 @@
         </p:nvCxnSpPr>
         <p:spPr>
           <a:xfrm flipV="1">
-            <a:off x="5393267" y="1058332"/>
+            <a:off x="6002866" y="1058332"/>
             <a:ext cx="702733" cy="1"/>
           </a:xfrm>
           <a:prstGeom prst="straightConnector1">
@@ -3958,7 +3963,7 @@
         </p:nvCxnSpPr>
         <p:spPr>
           <a:xfrm flipV="1">
-            <a:off x="8686800" y="1058332"/>
+            <a:off x="9296399" y="1058332"/>
             <a:ext cx="702733" cy="1"/>
           </a:xfrm>
           <a:prstGeom prst="straightConnector1">
@@ -3997,7 +4002,7 @@
         </p:nvSpPr>
         <p:spPr>
           <a:xfrm>
-            <a:off x="-203200" y="2380733"/>
+            <a:off x="406399" y="2380733"/>
             <a:ext cx="3005667" cy="369333"/>
           </a:xfrm>
           <a:prstGeom prst="rect">
@@ -4034,7 +4039,7 @@
         </p:nvSpPr>
         <p:spPr>
           <a:xfrm>
-            <a:off x="-508000" y="3887800"/>
+            <a:off x="101599" y="3887800"/>
             <a:ext cx="3310467" cy="369332"/>
           </a:xfrm>
           <a:prstGeom prst="rect">
@@ -4071,7 +4076,7 @@
         </p:nvSpPr>
         <p:spPr>
           <a:xfrm>
-            <a:off x="6095997" y="118734"/>
+            <a:off x="6705596" y="118734"/>
             <a:ext cx="2590801" cy="369332"/>
           </a:xfrm>
           <a:prstGeom prst="rect">
@@ -4107,7 +4112,7 @@
         </p:nvSpPr>
         <p:spPr>
           <a:xfrm>
-            <a:off x="9389533" y="91255"/>
+            <a:off x="9999132" y="91255"/>
             <a:ext cx="2590800" cy="369332"/>
           </a:xfrm>
           <a:prstGeom prst="rect">
@@ -4144,7 +4149,7 @@
         </p:nvSpPr>
         <p:spPr>
           <a:xfrm>
-            <a:off x="2802467" y="6200803"/>
+            <a:off x="3412066" y="6200803"/>
             <a:ext cx="2590799" cy="369332"/>
           </a:xfrm>
           <a:prstGeom prst="rect">
@@ -4181,7 +4186,7 @@
         </p:nvSpPr>
         <p:spPr>
           <a:xfrm>
-            <a:off x="6096000" y="6200803"/>
+            <a:off x="6705599" y="6200803"/>
             <a:ext cx="2590799" cy="369332"/>
           </a:xfrm>
           <a:prstGeom prst="rect">
